--- a/技術発表会資料.pptx
+++ b/技術発表会資料.pptx
@@ -846,7 +846,7 @@
             <a:fld id="{B61BEF0D-F0BB-DE4B-95CE-6DB70DBA9567}" type="datetimeFigureOut">
               <a:rPr lang="en-US" smtClean="0"/>
               <a:pPr/>
-              <a:t>6/22/2025</a:t>
+              <a:t>6/24/2025</a:t>
             </a:fld>
             <a:endParaRPr lang="en-US" dirty="0"/>
           </a:p>
@@ -1099,7 +1099,7 @@
             <a:fld id="{B61BEF0D-F0BB-DE4B-95CE-6DB70DBA9567}" type="datetimeFigureOut">
               <a:rPr lang="en-US" smtClean="0"/>
               <a:pPr/>
-              <a:t>6/22/2025</a:t>
+              <a:t>6/24/2025</a:t>
             </a:fld>
             <a:endParaRPr lang="en-US" dirty="0"/>
           </a:p>
@@ -1415,7 +1415,7 @@
             <a:fld id="{B61BEF0D-F0BB-DE4B-95CE-6DB70DBA9567}" type="datetimeFigureOut">
               <a:rPr lang="en-US" smtClean="0"/>
               <a:pPr/>
-              <a:t>6/22/2025</a:t>
+              <a:t>6/24/2025</a:t>
             </a:fld>
             <a:endParaRPr lang="en-US" dirty="0"/>
           </a:p>
@@ -1758,7 +1758,7 @@
             <a:fld id="{B61BEF0D-F0BB-DE4B-95CE-6DB70DBA9567}" type="datetimeFigureOut">
               <a:rPr lang="en-US" smtClean="0"/>
               <a:pPr/>
-              <a:t>6/22/2025</a:t>
+              <a:t>6/24/2025</a:t>
             </a:fld>
             <a:endParaRPr lang="en-US" dirty="0"/>
           </a:p>
@@ -2074,7 +2074,7 @@
             <a:fld id="{B61BEF0D-F0BB-DE4B-95CE-6DB70DBA9567}" type="datetimeFigureOut">
               <a:rPr lang="en-US" smtClean="0"/>
               <a:pPr/>
-              <a:t>6/22/2025</a:t>
+              <a:t>6/24/2025</a:t>
             </a:fld>
             <a:endParaRPr lang="en-US" dirty="0"/>
           </a:p>
@@ -2469,7 +2469,7 @@
             <a:fld id="{B61BEF0D-F0BB-DE4B-95CE-6DB70DBA9567}" type="datetimeFigureOut">
               <a:rPr lang="en-US" smtClean="0"/>
               <a:pPr/>
-              <a:t>6/22/2025</a:t>
+              <a:t>6/24/2025</a:t>
             </a:fld>
             <a:endParaRPr lang="en-US" dirty="0"/>
           </a:p>
@@ -2673,7 +2673,7 @@
             <a:fld id="{B61BEF0D-F0BB-DE4B-95CE-6DB70DBA9567}" type="datetimeFigureOut">
               <a:rPr lang="en-US" smtClean="0"/>
               <a:pPr/>
-              <a:t>6/22/2025</a:t>
+              <a:t>6/24/2025</a:t>
             </a:fld>
             <a:endParaRPr lang="en-US" dirty="0"/>
           </a:p>
@@ -2887,7 +2887,7 @@
             <a:fld id="{B61BEF0D-F0BB-DE4B-95CE-6DB70DBA9567}" type="datetimeFigureOut">
               <a:rPr lang="en-US" smtClean="0"/>
               <a:pPr/>
-              <a:t>6/22/2025</a:t>
+              <a:t>6/24/2025</a:t>
             </a:fld>
             <a:endParaRPr lang="en-US" dirty="0"/>
           </a:p>
@@ -3097,7 +3097,7 @@
             <a:fld id="{B61BEF0D-F0BB-DE4B-95CE-6DB70DBA9567}" type="datetimeFigureOut">
               <a:rPr lang="en-US" smtClean="0"/>
               <a:pPr/>
-              <a:t>6/22/2025</a:t>
+              <a:t>6/24/2025</a:t>
             </a:fld>
             <a:endParaRPr lang="en-US" dirty="0"/>
           </a:p>
@@ -3346,7 +3346,7 @@
             <a:fld id="{B61BEF0D-F0BB-DE4B-95CE-6DB70DBA9567}" type="datetimeFigureOut">
               <a:rPr lang="en-US" smtClean="0"/>
               <a:pPr/>
-              <a:t>6/22/2025</a:t>
+              <a:t>6/24/2025</a:t>
             </a:fld>
             <a:endParaRPr lang="en-US" dirty="0"/>
           </a:p>
@@ -3644,7 +3644,7 @@
             <a:fld id="{B61BEF0D-F0BB-DE4B-95CE-6DB70DBA9567}" type="datetimeFigureOut">
               <a:rPr lang="en-US" smtClean="0"/>
               <a:pPr/>
-              <a:t>6/22/2025</a:t>
+              <a:t>6/24/2025</a:t>
             </a:fld>
             <a:endParaRPr lang="en-US" dirty="0"/>
           </a:p>
@@ -4084,7 +4084,7 @@
             <a:fld id="{B61BEF0D-F0BB-DE4B-95CE-6DB70DBA9567}" type="datetimeFigureOut">
               <a:rPr lang="en-US" smtClean="0"/>
               <a:pPr/>
-              <a:t>6/22/2025</a:t>
+              <a:t>6/24/2025</a:t>
             </a:fld>
             <a:endParaRPr lang="en-US" dirty="0"/>
           </a:p>
@@ -4209,7 +4209,7 @@
             <a:fld id="{B61BEF0D-F0BB-DE4B-95CE-6DB70DBA9567}" type="datetimeFigureOut">
               <a:rPr lang="en-US" smtClean="0"/>
               <a:pPr/>
-              <a:t>6/22/2025</a:t>
+              <a:t>6/24/2025</a:t>
             </a:fld>
             <a:endParaRPr lang="en-US" dirty="0"/>
           </a:p>
@@ -4306,7 +4306,7 @@
             <a:fld id="{B61BEF0D-F0BB-DE4B-95CE-6DB70DBA9567}" type="datetimeFigureOut">
               <a:rPr lang="en-US" smtClean="0"/>
               <a:pPr/>
-              <a:t>6/22/2025</a:t>
+              <a:t>6/24/2025</a:t>
             </a:fld>
             <a:endParaRPr lang="en-US" dirty="0"/>
           </a:p>
@@ -4595,7 +4595,7 @@
             <a:fld id="{B61BEF0D-F0BB-DE4B-95CE-6DB70DBA9567}" type="datetimeFigureOut">
               <a:rPr lang="en-US" smtClean="0"/>
               <a:pPr/>
-              <a:t>6/22/2025</a:t>
+              <a:t>6/24/2025</a:t>
             </a:fld>
             <a:endParaRPr lang="en-US" dirty="0"/>
           </a:p>
@@ -4860,7 +4860,7 @@
             <a:fld id="{B61BEF0D-F0BB-DE4B-95CE-6DB70DBA9567}" type="datetimeFigureOut">
               <a:rPr lang="en-US" smtClean="0"/>
               <a:pPr/>
-              <a:t>6/22/2025</a:t>
+              <a:t>6/24/2025</a:t>
             </a:fld>
             <a:endParaRPr lang="en-US" dirty="0"/>
           </a:p>
@@ -5637,7 +5637,7 @@
             <a:fld id="{B61BEF0D-F0BB-DE4B-95CE-6DB70DBA9567}" type="datetimeFigureOut">
               <a:rPr lang="en-US" smtClean="0"/>
               <a:pPr/>
-              <a:t>6/22/2025</a:t>
+              <a:t>6/24/2025</a:t>
             </a:fld>
             <a:endParaRPr lang="en-US" dirty="0"/>
           </a:p>
@@ -8870,7 +8870,15 @@
             </a:r>
             <a:r>
               <a:rPr lang="ja-JP" altLang="en-US" sz="1600" dirty="0"/>
-              <a:t>：年齢、性別、身長、体重、運動量</a:t>
+              <a:t>：年齢、性別、身長、体重、</a:t>
+            </a:r>
+            <a:r>
+              <a:rPr lang="en-US" altLang="ja-JP" sz="1600" dirty="0"/>
+              <a:t> 1</a:t>
+            </a:r>
+            <a:r>
+              <a:rPr lang="ja-JP" altLang="en-US" sz="1600" dirty="0"/>
+              <a:t>週間あたりの総運動時間</a:t>
             </a:r>
             <a:endParaRPr lang="en-US" altLang="ja-JP" sz="1600" dirty="0"/>
           </a:p>
@@ -8890,6 +8898,11 @@
               <a:rPr kumimoji="1" lang="ja-JP" altLang="en-US" sz="1600" dirty="0"/>
               <a:t>：体重変化量</a:t>
             </a:r>
+            <a:r>
+              <a:rPr kumimoji="1" lang="en-US" altLang="ja-JP" sz="1600" dirty="0"/>
+              <a:t>(kg)</a:t>
+            </a:r>
+            <a:endParaRPr kumimoji="1" lang="ja-JP" altLang="en-US" sz="1600" dirty="0"/>
           </a:p>
         </p:txBody>
       </p:sp>
@@ -9172,7 +9185,31 @@
             </a:pPr>
             <a:r>
               <a:rPr lang="ja-JP" altLang="en-US" sz="1600" dirty="0"/>
-              <a:t>・平均二乗誤差</a:t>
+              <a:t>・平均二乗誤差　</a:t>
+            </a:r>
+            <a:r>
+              <a:rPr lang="en-US" altLang="ja-JP" sz="1600" dirty="0"/>
+              <a:t>MSE = 15.49(kg</a:t>
+            </a:r>
+            <a:r>
+              <a:rPr lang="en-US" altLang="ja-JP" sz="1600" baseline="30000" dirty="0"/>
+              <a:t>2</a:t>
+            </a:r>
+            <a:r>
+              <a:rPr lang="en-US" altLang="ja-JP" sz="1600" dirty="0"/>
+              <a:t>) 	</a:t>
+            </a:r>
+            <a:r>
+              <a:rPr lang="ja-JP" altLang="en-US" sz="1600" dirty="0"/>
+              <a:t>⇒　</a:t>
+            </a:r>
+            <a:r>
+              <a:rPr lang="en-US" altLang="ja-JP" sz="1600" dirty="0"/>
+              <a:t>±3.93kg</a:t>
+            </a:r>
+            <a:r>
+              <a:rPr lang="ja-JP" altLang="en-US" sz="1600" dirty="0"/>
+              <a:t>の誤差</a:t>
             </a:r>
             <a:endParaRPr lang="en-US" altLang="ja-JP" sz="1600" dirty="0"/>
           </a:p>
@@ -9183,7 +9220,43 @@
             </a:pPr>
             <a:r>
               <a:rPr lang="ja-JP" altLang="en-US" sz="1600" dirty="0"/>
-              <a:t>・決定係数</a:t>
+              <a:t>・</a:t>
+            </a:r>
+            <a:r>
+              <a:rPr lang="ja-JP" altLang="en-US" sz="1600" kern="400" dirty="0"/>
+              <a:t>決定係数</a:t>
+            </a:r>
+            <a:r>
+              <a:rPr lang="en-US" altLang="ja-JP" sz="1600" kern="400" dirty="0"/>
+              <a:t>	</a:t>
+            </a:r>
+            <a:r>
+              <a:rPr lang="ja-JP" altLang="en-US" sz="1600" kern="400" dirty="0"/>
+              <a:t>　　</a:t>
+            </a:r>
+            <a:r>
+              <a:rPr lang="en-US" altLang="ja-JP" sz="1600" kern="400" dirty="0"/>
+              <a:t>R2 = 0.621</a:t>
+            </a:r>
+            <a:r>
+              <a:rPr lang="ja-JP" altLang="en-US" sz="1600" kern="400" dirty="0"/>
+              <a:t>　　</a:t>
+            </a:r>
+            <a:r>
+              <a:rPr lang="en-US" altLang="ja-JP" sz="1600" kern="400" dirty="0"/>
+              <a:t>	</a:t>
+            </a:r>
+            <a:r>
+              <a:rPr lang="ja-JP" altLang="en-US" sz="1600" kern="400" dirty="0"/>
+              <a:t>⇒　</a:t>
+            </a:r>
+            <a:r>
+              <a:rPr lang="en-US" altLang="ja-JP" sz="1600" kern="400" dirty="0"/>
+              <a:t>62%</a:t>
+            </a:r>
+            <a:r>
+              <a:rPr lang="ja-JP" altLang="en-US" sz="1600" kern="400" dirty="0"/>
+              <a:t>の傾向をつかめている</a:t>
             </a:r>
             <a:endParaRPr lang="en-US" altLang="ja-JP" sz="1600" dirty="0"/>
           </a:p>
@@ -9196,7 +9269,6 @@
           </a:p>
           <a:p>
             <a:pPr marL="0" indent="0">
-              <a:buFont typeface="Wingdings 3" charset="2"/>
               <a:buNone/>
             </a:pPr>
             <a:r>
@@ -9205,23 +9277,54 @@
             </a:r>
             <a:r>
               <a:rPr lang="en-US" altLang="ja-JP" sz="1600" dirty="0"/>
-              <a:t>…</a:t>
-            </a:r>
+              <a:t>…『</a:t>
+            </a:r>
+            <a:r>
+              <a:rPr lang="ja-JP" altLang="en-US" sz="1600" dirty="0"/>
+              <a:t>どれくらいズレているかの平均</a:t>
+            </a:r>
+            <a:r>
+              <a:rPr lang="en-US" altLang="ja-JP" sz="1600" dirty="0"/>
+              <a:t>』</a:t>
+            </a:r>
+            <a:r>
+              <a:rPr lang="ja-JP" altLang="en-US" sz="1600" dirty="0"/>
+              <a:t>　値が小さいほど予測値に誤差がない</a:t>
+            </a:r>
+            <a:endParaRPr lang="en-US" altLang="ja-JP" sz="1600" dirty="0"/>
           </a:p>
           <a:p>
             <a:pPr marL="0" indent="0">
-              <a:buFont typeface="Wingdings 3" charset="2"/>
               <a:buNone/>
             </a:pPr>
             <a:r>
               <a:rPr lang="ja-JP" altLang="en-US" sz="1600" dirty="0"/>
-              <a:t>決定係数</a:t>
+              <a:t>　　決定係数</a:t>
             </a:r>
             <a:r>
               <a:rPr lang="en-US" altLang="ja-JP" sz="1600" dirty="0"/>
-              <a:t>…</a:t>
-            </a:r>
-            <a:endParaRPr lang="ja-JP" altLang="en-US" sz="1600" dirty="0"/>
+              <a:t>… 『</a:t>
+            </a:r>
+            <a:r>
+              <a:rPr lang="ja-JP" altLang="en-US" sz="1600" dirty="0"/>
+              <a:t>どれくらい説明できているか</a:t>
+            </a:r>
+            <a:r>
+              <a:rPr lang="en-US" altLang="ja-JP" sz="1600" dirty="0"/>
+              <a:t>』</a:t>
+            </a:r>
+            <a:r>
+              <a:rPr lang="ja-JP" altLang="en-US" sz="1600" dirty="0"/>
+              <a:t>　　</a:t>
+            </a:r>
+            <a:r>
+              <a:rPr lang="en-US" altLang="ja-JP" sz="1600" dirty="0"/>
+              <a:t>1</a:t>
+            </a:r>
+            <a:r>
+              <a:rPr lang="ja-JP" altLang="en-US" sz="1600" dirty="0"/>
+              <a:t>に近いほど傾向に対して予測能力を持つ</a:t>
+            </a:r>
           </a:p>
         </p:txBody>
       </p:sp>
@@ -9681,7 +9784,15 @@
             </a:r>
             <a:r>
               <a:rPr lang="ja-JP" altLang="en-US" sz="1600" dirty="0"/>
-              <a:t>：運動量</a:t>
+              <a:t>：</a:t>
+            </a:r>
+            <a:r>
+              <a:rPr lang="en-US" altLang="ja-JP" sz="1600" dirty="0"/>
+              <a:t>1</a:t>
+            </a:r>
+            <a:r>
+              <a:rPr lang="ja-JP" altLang="en-US" sz="1600" dirty="0"/>
+              <a:t>週間あたりの総運動時間を予測</a:t>
             </a:r>
             <a:endParaRPr lang="en-US" altLang="ja-JP" sz="1600" dirty="0"/>
           </a:p>
@@ -9975,6 +10086,54 @@
               <a:rPr lang="ja-JP" altLang="en-US" sz="1600" dirty="0"/>
               <a:t>・平均二乗誤差</a:t>
             </a:r>
+            <a:r>
+              <a:rPr lang="en-US" altLang="ja-JP" sz="1600" dirty="0"/>
+              <a:t>	MSE = 13993.11(</a:t>
+            </a:r>
+            <a:r>
+              <a:rPr lang="ja-JP" altLang="en-US" sz="1600" dirty="0"/>
+              <a:t>分</a:t>
+            </a:r>
+            <a:r>
+              <a:rPr lang="en-US" altLang="ja-JP" sz="1600" dirty="0"/>
+              <a:t>2)</a:t>
+            </a:r>
+            <a:r>
+              <a:rPr lang="ja-JP" altLang="en-US" sz="1600" dirty="0"/>
+              <a:t>　⇒　</a:t>
+            </a:r>
+            <a:r>
+              <a:rPr lang="en-US" altLang="ja-JP" sz="1600" dirty="0"/>
+              <a:t>±118</a:t>
+            </a:r>
+            <a:r>
+              <a:rPr lang="ja-JP" altLang="en-US" sz="1600" dirty="0"/>
+              <a:t>分（</a:t>
+            </a:r>
+            <a:r>
+              <a:rPr lang="en-US" altLang="ja-JP" sz="1600" dirty="0"/>
+              <a:t>1</a:t>
+            </a:r>
+            <a:r>
+              <a:rPr lang="ja-JP" altLang="en-US" sz="1600" dirty="0"/>
+              <a:t>日で約</a:t>
+            </a:r>
+            <a:r>
+              <a:rPr lang="en-US" altLang="ja-JP" sz="1600" dirty="0"/>
+              <a:t>17</a:t>
+            </a:r>
+            <a:r>
+              <a:rPr lang="ja-JP" altLang="en-US" sz="1600" dirty="0"/>
+              <a:t>分</a:t>
+            </a:r>
+            <a:r>
+              <a:rPr lang="en-US" altLang="ja-JP" sz="1600" dirty="0"/>
+              <a:t>)</a:t>
+            </a:r>
+            <a:r>
+              <a:rPr lang="ja-JP" altLang="en-US" sz="1600" dirty="0"/>
+              <a:t>の誤差</a:t>
+            </a:r>
             <a:endParaRPr lang="en-US" altLang="ja-JP" sz="1600" dirty="0"/>
           </a:p>
           <a:p>
@@ -9986,6 +10145,46 @@
               <a:rPr lang="ja-JP" altLang="en-US" sz="1600" dirty="0"/>
               <a:t>・決定係数</a:t>
             </a:r>
+            <a:r>
+              <a:rPr lang="en-US" altLang="ja-JP" sz="1600" dirty="0"/>
+              <a:t>		</a:t>
+            </a:r>
+            <a:r>
+              <a:rPr lang="ja-JP" altLang="en-US" sz="1600" dirty="0"/>
+              <a:t>  </a:t>
+            </a:r>
+            <a:r>
+              <a:rPr lang="en-US" altLang="ja-JP" sz="1600" dirty="0"/>
+              <a:t>R2</a:t>
+            </a:r>
+            <a:r>
+              <a:rPr lang="ja-JP" altLang="en-US" sz="1600" dirty="0"/>
+              <a:t> </a:t>
+            </a:r>
+            <a:r>
+              <a:rPr lang="en-US" altLang="ja-JP" sz="1600" dirty="0"/>
+              <a:t>=</a:t>
+            </a:r>
+            <a:r>
+              <a:rPr lang="ja-JP" altLang="en-US" sz="1600" dirty="0"/>
+              <a:t> </a:t>
+            </a:r>
+            <a:r>
+              <a:rPr lang="en-US" altLang="ja-JP" sz="1600" dirty="0"/>
+              <a:t>0.79		    </a:t>
+            </a:r>
+            <a:r>
+              <a:rPr lang="ja-JP" altLang="en-US" sz="1600" dirty="0"/>
+              <a:t>⇒　</a:t>
+            </a:r>
+            <a:r>
+              <a:rPr lang="en-US" altLang="ja-JP" sz="1600" dirty="0"/>
+              <a:t>79%</a:t>
+            </a:r>
+            <a:r>
+              <a:rPr lang="ja-JP" altLang="en-US" sz="1600" dirty="0"/>
+              <a:t>、傾向をつかめている</a:t>
+            </a:r>
             <a:endParaRPr lang="en-US" altLang="ja-JP" sz="1600" dirty="0"/>
           </a:p>
           <a:p>
@@ -10006,8 +10205,21 @@
             </a:r>
             <a:r>
               <a:rPr lang="en-US" altLang="ja-JP" sz="1600" dirty="0"/>
-              <a:t>…</a:t>
-            </a:r>
+              <a:t>…『</a:t>
+            </a:r>
+            <a:r>
+              <a:rPr lang="ja-JP" altLang="en-US" sz="1600" dirty="0"/>
+              <a:t>どれくらいズレているかの平均</a:t>
+            </a:r>
+            <a:r>
+              <a:rPr lang="en-US" altLang="ja-JP" sz="1600" dirty="0"/>
+              <a:t>』</a:t>
+            </a:r>
+            <a:r>
+              <a:rPr lang="ja-JP" altLang="en-US" sz="1600" dirty="0"/>
+              <a:t>　値が小さいほど予測値に誤差がない</a:t>
+            </a:r>
+            <a:endParaRPr lang="en-US" altLang="ja-JP" sz="1600" dirty="0"/>
           </a:p>
           <a:p>
             <a:pPr marL="0" indent="0">
@@ -10016,13 +10228,32 @@
             </a:pPr>
             <a:r>
               <a:rPr lang="ja-JP" altLang="en-US" sz="1600" dirty="0"/>
-              <a:t>決定係数</a:t>
+              <a:t>　　決定係数</a:t>
             </a:r>
             <a:r>
               <a:rPr lang="en-US" altLang="ja-JP" sz="1600" dirty="0"/>
-              <a:t>…</a:t>
-            </a:r>
-            <a:endParaRPr lang="ja-JP" altLang="en-US" sz="1600" dirty="0"/>
+              <a:t>…『</a:t>
+            </a:r>
+            <a:r>
+              <a:rPr lang="ja-JP" altLang="en-US" sz="1600" dirty="0"/>
+              <a:t>どれくらい説明できているか</a:t>
+            </a:r>
+            <a:r>
+              <a:rPr lang="en-US" altLang="ja-JP" sz="1600" dirty="0"/>
+              <a:t>』</a:t>
+            </a:r>
+            <a:r>
+              <a:rPr lang="ja-JP" altLang="en-US" sz="1600" dirty="0"/>
+              <a:t>　　</a:t>
+            </a:r>
+            <a:r>
+              <a:rPr lang="en-US" altLang="ja-JP" sz="1600" dirty="0"/>
+              <a:t>1</a:t>
+            </a:r>
+            <a:r>
+              <a:rPr lang="ja-JP" altLang="en-US" sz="1600" dirty="0"/>
+              <a:t>に近いほど傾向に対して予測能力を持つ</a:t>
+            </a:r>
           </a:p>
         </p:txBody>
       </p:sp>
@@ -10530,6 +10761,15 @@
 </file>
 
 <file path=customXml/item1.xml><?xml version="1.0" encoding="utf-8"?>
+<?mso-contentType ?>
+<FormTemplates xmlns="http://schemas.microsoft.com/sharepoint/v3/contenttype/forms">
+  <Display>DocumentLibraryForm</Display>
+  <Edit>DocumentLibraryForm</Edit>
+  <New>DocumentLibraryForm</New>
+</FormTemplates>
+</file>
+
+<file path=customXml/item2.xml><?xml version="1.0" encoding="utf-8"?>
 <ct:contentTypeSchema xmlns:ct="http://schemas.microsoft.com/office/2006/metadata/contentType" xmlns:ma="http://schemas.microsoft.com/office/2006/metadata/properties/metaAttributes" ct:_="" ma:_="" ma:contentTypeName="ドキュメント" ma:contentTypeID="0x010100086BDC9D88E01747914A2312D1CC2338" ma:contentTypeVersion="4" ma:contentTypeDescription="新しいドキュメントを作成します。" ma:contentTypeScope="" ma:versionID="9437368f747cdb7858a61b4e4e901169">
   <xsd:schema xmlns:xsd="http://www.w3.org/2001/XMLSchema" xmlns:xs="http://www.w3.org/2001/XMLSchema" xmlns:p="http://schemas.microsoft.com/office/2006/metadata/properties" xmlns:ns2="172f11fb-9133-4233-893e-51032b57ff56" targetNamespace="http://schemas.microsoft.com/office/2006/metadata/properties" ma:root="true" ma:fieldsID="7ed6e01eaade00434eaa7ed936af4e13" ns2:_="">
     <xsd:import namespace="172f11fb-9133-4233-893e-51032b57ff56"/>
@@ -10673,15 +10913,6 @@
 </ct:contentTypeSchema>
 </file>
 
-<file path=customXml/item2.xml><?xml version="1.0" encoding="utf-8"?>
-<?mso-contentType ?>
-<FormTemplates xmlns="http://schemas.microsoft.com/sharepoint/v3/contenttype/forms">
-  <Display>DocumentLibraryForm</Display>
-  <Edit>DocumentLibraryForm</Edit>
-  <New>DocumentLibraryForm</New>
-</FormTemplates>
-</file>
-
 <file path=customXml/item3.xml><?xml version="1.0" encoding="utf-8"?>
 <p:properties xmlns:p="http://schemas.microsoft.com/office/2006/metadata/properties" xmlns:xsi="http://www.w3.org/2001/XMLSchema-instance" xmlns:pc="http://schemas.microsoft.com/office/infopath/2007/PartnerControls">
   <documentManagement/>
@@ -10689,6 +10920,14 @@
 </file>
 
 <file path=customXml/itemProps1.xml><?xml version="1.0" encoding="utf-8"?>
+<ds:datastoreItem xmlns:ds="http://schemas.openxmlformats.org/officeDocument/2006/customXml" ds:itemID="{4F665E27-B13E-43B3-A85E-8FC339167C52}">
+  <ds:schemaRefs>
+    <ds:schemaRef ds:uri="http://schemas.microsoft.com/sharepoint/v3/contenttype/forms"/>
+  </ds:schemaRefs>
+</ds:datastoreItem>
+</file>
+
+<file path=customXml/itemProps2.xml><?xml version="1.0" encoding="utf-8"?>
 <ds:datastoreItem xmlns:ds="http://schemas.openxmlformats.org/officeDocument/2006/customXml" ds:itemID="{77FC90EF-1DEF-40AC-85F5-7DE16BBB2708}">
   <ds:schemaRefs>
     <ds:schemaRef ds:uri="http://schemas.microsoft.com/office/2006/metadata/contentType"/>
@@ -10706,14 +10945,6 @@
 </ds:datastoreItem>
 </file>
 
-<file path=customXml/itemProps2.xml><?xml version="1.0" encoding="utf-8"?>
-<ds:datastoreItem xmlns:ds="http://schemas.openxmlformats.org/officeDocument/2006/customXml" ds:itemID="{4F665E27-B13E-43B3-A85E-8FC339167C52}">
-  <ds:schemaRefs>
-    <ds:schemaRef ds:uri="http://schemas.microsoft.com/sharepoint/v3/contenttype/forms"/>
-  </ds:schemaRefs>
-</ds:datastoreItem>
-</file>
-
 <file path=customXml/itemProps3.xml><?xml version="1.0" encoding="utf-8"?>
 <ds:datastoreItem xmlns:ds="http://schemas.openxmlformats.org/officeDocument/2006/customXml" ds:itemID="{92BFC107-2A0F-4811-9C02-28CED4E75063}">
   <ds:schemaRefs>
